--- a/src/static/GPR_workflow.pptx
+++ b/src/static/GPR_workflow.pptx
@@ -7223,6 +7223,37 @@
           </a:p>
         </p:txBody>
       </p:sp>
+      <p:cxnSp>
+        <p:nvCxnSpPr>
+          <p:cNvPr id="107" name="Google Shape;107;p13"/>
+          <p:cNvCxnSpPr>
+            <a:stCxn id="85" idx="3"/>
+            <a:endCxn id="55" idx="1"/>
+          </p:cNvCxnSpPr>
+          <p:nvPr/>
+        </p:nvCxnSpPr>
+        <p:spPr>
+          <a:xfrm flipH="1" rot="10800000">
+            <a:off x="4196079" y="2734062"/>
+            <a:ext cx="529500" cy="1210500"/>
+          </a:xfrm>
+          <a:prstGeom prst="curvedConnector3">
+            <a:avLst>
+              <a:gd fmla="val 49993" name="adj1"/>
+            </a:avLst>
+          </a:prstGeom>
+          <a:noFill/>
+          <a:ln cap="flat" cmpd="sng" w="9525">
+            <a:solidFill>
+              <a:schemeClr val="dk2"/>
+            </a:solidFill>
+            <a:prstDash val="solid"/>
+            <a:round/>
+            <a:headEnd len="med" w="med" type="none"/>
+            <a:tailEnd len="med" w="med" type="triangle"/>
+          </a:ln>
+        </p:spPr>
+      </p:cxnSp>
     </p:spTree>
   </p:cSld>
   <p:clrMapOvr>

--- a/src/static/GPR_workflow.pptx
+++ b/src/static/GPR_workflow.pptx
@@ -705,7 +705,7 @@
       </p:grpSpPr>
       <p:sp>
         <p:nvSpPr>
-          <p:cNvPr id="51" name="Google Shape;51;g1423ff89dee_0_5:notes"/>
+          <p:cNvPr id="51" name="Google Shape;51;g15551c0b561_1_0:notes"/>
           <p:cNvSpPr/>
           <p:nvPr>
             <p:ph idx="2" type="sldImg"/>
@@ -740,7 +740,7 @@
       </p:sp>
       <p:sp>
         <p:nvSpPr>
-          <p:cNvPr id="52" name="Google Shape;52;g1423ff89dee_0_5:notes"/>
+          <p:cNvPr id="52" name="Google Shape;52;g15551c0b561_1_0:notes"/>
           <p:cNvSpPr txBox="1"/>
           <p:nvPr>
             <p:ph idx="1" type="body"/>
@@ -5605,773 +5605,373 @@
           </a:p>
         </p:txBody>
       </p:sp>
-      <p:grpSp>
-        <p:nvGrpSpPr>
+      <p:sp>
+        <p:nvSpPr>
           <p:cNvPr id="57" name="Google Shape;57;p13"/>
-          <p:cNvGrpSpPr/>
+          <p:cNvSpPr/>
           <p:nvPr/>
-        </p:nvGrpSpPr>
-        <p:grpSpPr>
+        </p:nvSpPr>
+        <p:spPr>
           <a:xfrm>
             <a:off x="4725504" y="101925"/>
             <a:ext cx="1358400" cy="1302514"/>
-            <a:chOff x="4495529" y="167175"/>
-            <a:chExt cx="1358400" cy="1395900"/>
           </a:xfrm>
-        </p:grpSpPr>
-        <p:sp>
-          <p:nvSpPr>
-            <p:cNvPr id="58" name="Google Shape;58;p13"/>
-            <p:cNvSpPr/>
-            <p:nvPr/>
-          </p:nvSpPr>
-          <p:spPr>
-            <a:xfrm>
-              <a:off x="4495529" y="167175"/>
-              <a:ext cx="1358400" cy="1395900"/>
-            </a:xfrm>
-            <a:prstGeom prst="roundRect">
-              <a:avLst>
-                <a:gd fmla="val 16667" name="adj"/>
-              </a:avLst>
-            </a:prstGeom>
+          <a:prstGeom prst="roundRect">
+            <a:avLst>
+              <a:gd fmla="val 16667" name="adj"/>
+            </a:avLst>
+          </a:prstGeom>
+          <a:solidFill>
+            <a:srgbClr val="D9EAD3"/>
+          </a:solidFill>
+          <a:ln cap="flat" cmpd="sng" w="9525">
             <a:solidFill>
-              <a:srgbClr val="D9EAD3"/>
+              <a:schemeClr val="dk2"/>
             </a:solidFill>
-            <a:ln cap="flat" cmpd="sng" w="9525">
-              <a:solidFill>
-                <a:schemeClr val="dk2"/>
-              </a:solidFill>
-              <a:prstDash val="solid"/>
-              <a:round/>
-              <a:headEnd len="sm" w="sm" type="none"/>
-              <a:tailEnd len="sm" w="sm" type="none"/>
-            </a:ln>
-          </p:spPr>
-          <p:txBody>
-            <a:bodyPr anchorCtr="0" anchor="t" bIns="91425" lIns="91425" spcFirstLastPara="1" rIns="91425" wrap="square" tIns="91425">
-              <a:noAutofit/>
-            </a:bodyPr>
-            <a:lstStyle/>
-            <a:p>
-              <a:pPr indent="0" lvl="0" marL="0" rtl="0" algn="ctr">
-                <a:spcBef>
-                  <a:spcPts val="0"/>
-                </a:spcBef>
-                <a:spcAft>
-                  <a:spcPts val="0"/>
-                </a:spcAft>
-                <a:buNone/>
-              </a:pPr>
-              <a:r>
-                <a:rPr lang="en-GB" sz="1300"/>
-                <a:t>GP Prior</a:t>
-              </a:r>
-              <a:endParaRPr sz="1300"/>
-            </a:p>
-          </p:txBody>
-        </p:sp>
-        <p:pic>
-          <p:nvPicPr>
-            <p:cNvPr id="59" name="Google Shape;59;p13"/>
-            <p:cNvPicPr preferRelativeResize="0"/>
-            <p:nvPr/>
-          </p:nvPicPr>
-          <p:blipFill>
-            <a:blip r:embed="rId3">
-              <a:alphaModFix/>
-            </a:blip>
-            <a:stretch>
-              <a:fillRect/>
-            </a:stretch>
-          </p:blipFill>
-          <p:spPr>
-            <a:xfrm>
-              <a:off x="4649075" y="554850"/>
-              <a:ext cx="1029550" cy="824902"/>
-            </a:xfrm>
-            <a:prstGeom prst="rect">
-              <a:avLst/>
-            </a:prstGeom>
-            <a:noFill/>
-            <a:ln>
-              <a:noFill/>
-            </a:ln>
-          </p:spPr>
-        </p:pic>
-      </p:grpSp>
-      <p:grpSp>
-        <p:nvGrpSpPr>
-          <p:cNvPr id="60" name="Google Shape;60;p13"/>
-          <p:cNvGrpSpPr/>
+            <a:prstDash val="solid"/>
+            <a:round/>
+            <a:headEnd len="sm" w="sm" type="none"/>
+            <a:tailEnd len="sm" w="sm" type="none"/>
+          </a:ln>
+        </p:spPr>
+        <p:txBody>
+          <a:bodyPr anchorCtr="0" anchor="t" bIns="91425" lIns="91425" spcFirstLastPara="1" rIns="91425" wrap="square" tIns="91425">
+            <a:noAutofit/>
+          </a:bodyPr>
+          <a:lstStyle/>
+          <a:p>
+            <a:pPr indent="0" lvl="0" marL="0" rtl="0" algn="ctr">
+              <a:spcBef>
+                <a:spcPts val="0"/>
+              </a:spcBef>
+              <a:spcAft>
+                <a:spcPts val="0"/>
+              </a:spcAft>
+              <a:buNone/>
+            </a:pPr>
+            <a:r>
+              <a:rPr lang="en-GB" sz="1300"/>
+              <a:t>GP Prior</a:t>
+            </a:r>
+            <a:endParaRPr sz="1300"/>
+          </a:p>
+        </p:txBody>
+      </p:sp>
+      <p:sp>
+        <p:nvSpPr>
+          <p:cNvPr id="58" name="Google Shape;58;p13"/>
+          <p:cNvSpPr/>
           <p:nvPr/>
-        </p:nvGrpSpPr>
-        <p:grpSpPr>
+        </p:nvSpPr>
+        <p:spPr>
           <a:xfrm>
             <a:off x="2837675" y="101925"/>
             <a:ext cx="1358400" cy="1302514"/>
-            <a:chOff x="2837675" y="167175"/>
-            <a:chExt cx="1358400" cy="1395900"/>
           </a:xfrm>
-        </p:grpSpPr>
-        <p:sp>
-          <p:nvSpPr>
-            <p:cNvPr id="61" name="Google Shape;61;p13"/>
-            <p:cNvSpPr/>
-            <p:nvPr/>
-          </p:nvSpPr>
-          <p:spPr>
-            <a:xfrm>
-              <a:off x="2837675" y="167175"/>
-              <a:ext cx="1358400" cy="1395900"/>
-            </a:xfrm>
-            <a:prstGeom prst="roundRect">
-              <a:avLst>
-                <a:gd fmla="val 16667" name="adj"/>
-              </a:avLst>
-            </a:prstGeom>
+          <a:prstGeom prst="roundRect">
+            <a:avLst>
+              <a:gd fmla="val 16667" name="adj"/>
+            </a:avLst>
+          </a:prstGeom>
+          <a:solidFill>
+            <a:schemeClr val="lt2"/>
+          </a:solidFill>
+          <a:ln cap="flat" cmpd="sng" w="9525">
             <a:solidFill>
-              <a:schemeClr val="lt2"/>
+              <a:schemeClr val="dk2"/>
             </a:solidFill>
-            <a:ln cap="flat" cmpd="sng" w="9525">
-              <a:solidFill>
-                <a:schemeClr val="dk2"/>
-              </a:solidFill>
-              <a:prstDash val="solid"/>
-              <a:round/>
-              <a:headEnd len="sm" w="sm" type="none"/>
-              <a:tailEnd len="sm" w="sm" type="none"/>
-            </a:ln>
-          </p:spPr>
-          <p:txBody>
-            <a:bodyPr anchorCtr="0" anchor="t" bIns="91425" lIns="91425" spcFirstLastPara="1" rIns="91425" wrap="square" tIns="0">
-              <a:noAutofit/>
-            </a:bodyPr>
-            <a:lstStyle/>
-            <a:p>
-              <a:pPr indent="0" lvl="0" marL="0" rtl="0" algn="ctr">
-                <a:spcBef>
-                  <a:spcPts val="0"/>
-                </a:spcBef>
-                <a:spcAft>
-                  <a:spcPts val="0"/>
-                </a:spcAft>
-                <a:buNone/>
-              </a:pPr>
-              <a:r>
-                <a:rPr lang="en-GB"/>
-                <a:t>select k, guess HPs</a:t>
-              </a:r>
-              <a:endParaRPr/>
-            </a:p>
-          </p:txBody>
-        </p:sp>
-        <p:pic>
-          <p:nvPicPr>
-            <p:cNvPr id="62" name="Google Shape;62;p13"/>
-            <p:cNvPicPr preferRelativeResize="0"/>
-            <p:nvPr/>
-          </p:nvPicPr>
-          <p:blipFill>
-            <a:blip r:embed="rId4">
-              <a:alphaModFix/>
-            </a:blip>
-            <a:stretch>
-              <a:fillRect/>
-            </a:stretch>
-          </p:blipFill>
-          <p:spPr>
-            <a:xfrm>
-              <a:off x="3133505" y="750696"/>
-              <a:ext cx="736450" cy="697958"/>
-            </a:xfrm>
-            <a:prstGeom prst="rect">
-              <a:avLst/>
-            </a:prstGeom>
-            <a:noFill/>
-            <a:ln>
-              <a:noFill/>
-            </a:ln>
-          </p:spPr>
-        </p:pic>
-      </p:grpSp>
-      <p:grpSp>
-        <p:nvGrpSpPr>
-          <p:cNvPr id="63" name="Google Shape;63;p13"/>
-          <p:cNvGrpSpPr/>
+            <a:prstDash val="solid"/>
+            <a:round/>
+            <a:headEnd len="sm" w="sm" type="none"/>
+            <a:tailEnd len="sm" w="sm" type="none"/>
+          </a:ln>
+        </p:spPr>
+        <p:txBody>
+          <a:bodyPr anchorCtr="0" anchor="t" bIns="91425" lIns="91425" spcFirstLastPara="1" rIns="91425" wrap="square" tIns="90000">
+            <a:noAutofit/>
+          </a:bodyPr>
+          <a:lstStyle/>
+          <a:p>
+            <a:pPr indent="0" lvl="0" marL="0" rtl="0" algn="ctr">
+              <a:spcBef>
+                <a:spcPts val="0"/>
+              </a:spcBef>
+              <a:spcAft>
+                <a:spcPts val="0"/>
+              </a:spcAft>
+              <a:buNone/>
+            </a:pPr>
+            <a:r>
+              <a:rPr lang="en-GB"/>
+              <a:t>Kernel</a:t>
+            </a:r>
+            <a:endParaRPr/>
+          </a:p>
+        </p:txBody>
+      </p:sp>
+      <p:sp>
+        <p:nvSpPr>
+          <p:cNvPr id="59" name="Google Shape;59;p13"/>
+          <p:cNvSpPr/>
           <p:nvPr/>
-        </p:nvGrpSpPr>
-        <p:grpSpPr>
+        </p:nvSpPr>
+        <p:spPr>
           <a:xfrm>
             <a:off x="2837684" y="4897603"/>
             <a:ext cx="1358400" cy="1302514"/>
-            <a:chOff x="311709" y="1748775"/>
-            <a:chExt cx="1358400" cy="1395900"/>
           </a:xfrm>
-        </p:grpSpPr>
-        <p:sp>
-          <p:nvSpPr>
-            <p:cNvPr id="64" name="Google Shape;64;p13"/>
-            <p:cNvSpPr/>
-            <p:nvPr/>
-          </p:nvSpPr>
-          <p:spPr>
-            <a:xfrm>
-              <a:off x="311709" y="1748775"/>
-              <a:ext cx="1358400" cy="1395900"/>
-            </a:xfrm>
-            <a:prstGeom prst="roundRect">
-              <a:avLst>
-                <a:gd fmla="val 16667" name="adj"/>
-              </a:avLst>
-            </a:prstGeom>
+          <a:prstGeom prst="roundRect">
+            <a:avLst>
+              <a:gd fmla="val 16667" name="adj"/>
+            </a:avLst>
+          </a:prstGeom>
+          <a:solidFill>
+            <a:schemeClr val="lt2"/>
+          </a:solidFill>
+          <a:ln cap="flat" cmpd="sng" w="9525">
             <a:solidFill>
-              <a:schemeClr val="lt2"/>
+              <a:schemeClr val="dk2"/>
             </a:solidFill>
-            <a:ln cap="flat" cmpd="sng" w="9525">
-              <a:solidFill>
-                <a:schemeClr val="dk2"/>
-              </a:solidFill>
-              <a:prstDash val="solid"/>
-              <a:round/>
-              <a:headEnd len="sm" w="sm" type="none"/>
-              <a:tailEnd len="sm" w="sm" type="none"/>
-            </a:ln>
-          </p:spPr>
-          <p:txBody>
-            <a:bodyPr anchorCtr="0" anchor="t" bIns="91425" lIns="91425" spcFirstLastPara="1" rIns="91425" wrap="square" tIns="91425">
-              <a:noAutofit/>
-            </a:bodyPr>
-            <a:lstStyle/>
-            <a:p>
-              <a:pPr indent="0" lvl="0" marL="0" rtl="0" algn="ctr">
-                <a:spcBef>
-                  <a:spcPts val="0"/>
-                </a:spcBef>
-                <a:spcAft>
-                  <a:spcPts val="0"/>
-                </a:spcAft>
-                <a:buNone/>
-              </a:pPr>
-              <a:r>
-                <a:rPr lang="en-GB" sz="1300"/>
-                <a:t>Select prior on HPs</a:t>
-              </a:r>
-              <a:endParaRPr sz="1300"/>
-            </a:p>
-          </p:txBody>
-        </p:sp>
-        <p:pic>
-          <p:nvPicPr>
-            <p:cNvPr id="65" name="Google Shape;65;p13"/>
-            <p:cNvPicPr preferRelativeResize="0"/>
-            <p:nvPr/>
-          </p:nvPicPr>
-          <p:blipFill>
-            <a:blip r:embed="rId5">
-              <a:alphaModFix/>
-            </a:blip>
-            <a:stretch>
-              <a:fillRect/>
-            </a:stretch>
-          </p:blipFill>
-          <p:spPr>
-            <a:xfrm>
-              <a:off x="482250" y="2459277"/>
-              <a:ext cx="1116906" cy="572700"/>
-            </a:xfrm>
-            <a:prstGeom prst="rect">
-              <a:avLst/>
-            </a:prstGeom>
-            <a:noFill/>
-            <a:ln>
-              <a:noFill/>
-            </a:ln>
-          </p:spPr>
-        </p:pic>
-      </p:grpSp>
-      <p:grpSp>
-        <p:nvGrpSpPr>
-          <p:cNvPr id="66" name="Google Shape;66;p13"/>
-          <p:cNvGrpSpPr/>
+            <a:prstDash val="solid"/>
+            <a:round/>
+            <a:headEnd len="sm" w="sm" type="none"/>
+            <a:tailEnd len="sm" w="sm" type="none"/>
+          </a:ln>
+        </p:spPr>
+        <p:txBody>
+          <a:bodyPr anchorCtr="0" anchor="t" bIns="91425" lIns="91425" spcFirstLastPara="1" rIns="91425" wrap="square" tIns="91425">
+            <a:noAutofit/>
+          </a:bodyPr>
+          <a:lstStyle/>
+          <a:p>
+            <a:pPr indent="0" lvl="0" marL="0" rtl="0" algn="ctr">
+              <a:spcBef>
+                <a:spcPts val="0"/>
+              </a:spcBef>
+              <a:spcAft>
+                <a:spcPts val="0"/>
+              </a:spcAft>
+              <a:buNone/>
+            </a:pPr>
+            <a:r>
+              <a:rPr lang="en-GB" sz="1300"/>
+              <a:t>Hyperprior</a:t>
+            </a:r>
+            <a:endParaRPr sz="1300"/>
+          </a:p>
+        </p:txBody>
+      </p:sp>
+      <p:sp>
+        <p:nvSpPr>
+          <p:cNvPr id="60" name="Google Shape;60;p13"/>
+          <p:cNvSpPr/>
           <p:nvPr/>
-        </p:nvGrpSpPr>
-        <p:grpSpPr>
+        </p:nvSpPr>
+        <p:spPr>
           <a:xfrm>
             <a:off x="6612713" y="3199842"/>
             <a:ext cx="1358400" cy="1302514"/>
-            <a:chOff x="6914388" y="1941400"/>
-            <a:chExt cx="1358400" cy="1395900"/>
           </a:xfrm>
-        </p:grpSpPr>
-        <p:sp>
-          <p:nvSpPr>
-            <p:cNvPr id="67" name="Google Shape;67;p13"/>
-            <p:cNvSpPr/>
-            <p:nvPr/>
-          </p:nvSpPr>
-          <p:spPr>
-            <a:xfrm>
-              <a:off x="6914388" y="1941400"/>
-              <a:ext cx="1358400" cy="1395900"/>
-            </a:xfrm>
-            <a:prstGeom prst="roundRect">
-              <a:avLst>
-                <a:gd fmla="val 16667" name="adj"/>
-              </a:avLst>
-            </a:prstGeom>
+          <a:prstGeom prst="roundRect">
+            <a:avLst>
+              <a:gd fmla="val 16667" name="adj"/>
+            </a:avLst>
+          </a:prstGeom>
+          <a:solidFill>
+            <a:srgbClr val="D9EAD3"/>
+          </a:solidFill>
+          <a:ln cap="flat" cmpd="sng" w="9525">
             <a:solidFill>
-              <a:srgbClr val="D9EAD3"/>
+              <a:schemeClr val="dk2"/>
             </a:solidFill>
-            <a:ln cap="flat" cmpd="sng" w="9525">
-              <a:solidFill>
-                <a:schemeClr val="dk2"/>
-              </a:solidFill>
-              <a:prstDash val="solid"/>
-              <a:round/>
-              <a:headEnd len="sm" w="sm" type="none"/>
-              <a:tailEnd len="sm" w="sm" type="none"/>
-            </a:ln>
-          </p:spPr>
-          <p:txBody>
-            <a:bodyPr anchorCtr="0" anchor="t" bIns="91425" lIns="91425" spcFirstLastPara="1" rIns="91425" wrap="square" tIns="0">
-              <a:noAutofit/>
-            </a:bodyPr>
-            <a:lstStyle/>
-            <a:p>
-              <a:pPr indent="0" lvl="0" marL="0" rtl="0" algn="ctr">
-                <a:spcBef>
-                  <a:spcPts val="0"/>
-                </a:spcBef>
-                <a:spcAft>
-                  <a:spcPts val="0"/>
-                </a:spcAft>
-                <a:buNone/>
-              </a:pPr>
-              <a:r>
-                <a:rPr lang="en-GB" sz="1300"/>
-                <a:t>HP </a:t>
-              </a:r>
-              <a:r>
-                <a:rPr lang="en-GB" sz="1300"/>
-                <a:t>Posteriors</a:t>
-              </a:r>
-              <a:endParaRPr sz="1300"/>
-            </a:p>
-          </p:txBody>
-        </p:sp>
-        <p:pic>
-          <p:nvPicPr>
-            <p:cNvPr id="68" name="Google Shape;68;p13"/>
-            <p:cNvPicPr preferRelativeResize="0"/>
-            <p:nvPr/>
-          </p:nvPicPr>
-          <p:blipFill>
-            <a:blip r:embed="rId6">
-              <a:alphaModFix/>
-            </a:blip>
-            <a:stretch>
-              <a:fillRect/>
-            </a:stretch>
-          </p:blipFill>
-          <p:spPr>
-            <a:xfrm>
-              <a:off x="7086197" y="2204925"/>
-              <a:ext cx="1014825" cy="1024226"/>
-            </a:xfrm>
-            <a:prstGeom prst="rect">
-              <a:avLst/>
-            </a:prstGeom>
-            <a:noFill/>
-            <a:ln>
-              <a:noFill/>
-            </a:ln>
-          </p:spPr>
-        </p:pic>
-      </p:grpSp>
-      <p:grpSp>
-        <p:nvGrpSpPr>
-          <p:cNvPr id="69" name="Google Shape;69;p13"/>
-          <p:cNvGrpSpPr/>
+            <a:prstDash val="solid"/>
+            <a:round/>
+            <a:headEnd len="sm" w="sm" type="none"/>
+            <a:tailEnd len="sm" w="sm" type="none"/>
+          </a:ln>
+        </p:spPr>
+        <p:txBody>
+          <a:bodyPr anchorCtr="0" anchor="t" bIns="91425" lIns="91425" spcFirstLastPara="1" rIns="91425" wrap="square" tIns="0">
+            <a:noAutofit/>
+          </a:bodyPr>
+          <a:lstStyle/>
+          <a:p>
+            <a:pPr indent="0" lvl="0" marL="0" rtl="0" algn="ctr">
+              <a:spcBef>
+                <a:spcPts val="0"/>
+              </a:spcBef>
+              <a:spcAft>
+                <a:spcPts val="0"/>
+              </a:spcAft>
+              <a:buNone/>
+            </a:pPr>
+            <a:r>
+              <a:rPr lang="en-GB" sz="1300"/>
+              <a:t>Parameters</a:t>
+            </a:r>
+            <a:endParaRPr sz="1300"/>
+          </a:p>
+        </p:txBody>
+      </p:sp>
+      <p:sp>
+        <p:nvSpPr>
+          <p:cNvPr id="61" name="Google Shape;61;p13"/>
+          <p:cNvSpPr/>
           <p:nvPr/>
-        </p:nvGrpSpPr>
-        <p:grpSpPr>
+        </p:nvSpPr>
+        <p:spPr>
           <a:xfrm>
             <a:off x="496075" y="2614313"/>
             <a:ext cx="1358400" cy="1302514"/>
-            <a:chOff x="1120150" y="3337301"/>
-            <a:chExt cx="1358400" cy="1395900"/>
           </a:xfrm>
-        </p:grpSpPr>
-        <p:sp>
-          <p:nvSpPr>
-            <p:cNvPr id="70" name="Google Shape;70;p13"/>
-            <p:cNvSpPr/>
-            <p:nvPr/>
-          </p:nvSpPr>
-          <p:spPr>
-            <a:xfrm>
-              <a:off x="1120150" y="3337301"/>
-              <a:ext cx="1358400" cy="1395900"/>
-            </a:xfrm>
-            <a:prstGeom prst="roundRect">
-              <a:avLst>
-                <a:gd fmla="val 16667" name="adj"/>
-              </a:avLst>
-            </a:prstGeom>
+          <a:prstGeom prst="roundRect">
+            <a:avLst>
+              <a:gd fmla="val 16667" name="adj"/>
+            </a:avLst>
+          </a:prstGeom>
+          <a:solidFill>
+            <a:srgbClr val="C9DAF8"/>
+          </a:solidFill>
+          <a:ln cap="flat" cmpd="sng" w="9525">
             <a:solidFill>
-              <a:srgbClr val="C9DAF8"/>
+              <a:schemeClr val="dk2"/>
             </a:solidFill>
-            <a:ln cap="flat" cmpd="sng" w="9525">
-              <a:solidFill>
-                <a:schemeClr val="dk2"/>
-              </a:solidFill>
-              <a:prstDash val="solid"/>
-              <a:round/>
-              <a:headEnd len="sm" w="sm" type="none"/>
-              <a:tailEnd len="sm" w="sm" type="none"/>
-            </a:ln>
-          </p:spPr>
-          <p:txBody>
-            <a:bodyPr anchorCtr="0" anchor="t" bIns="91425" lIns="91425" spcFirstLastPara="1" rIns="91425" wrap="square" tIns="91425">
-              <a:noAutofit/>
-            </a:bodyPr>
-            <a:lstStyle/>
-            <a:p>
-              <a:pPr indent="0" lvl="0" marL="0" rtl="0" algn="ctr">
-                <a:spcBef>
-                  <a:spcPts val="0"/>
-                </a:spcBef>
-                <a:spcAft>
-                  <a:spcPts val="0"/>
-                </a:spcAft>
-                <a:buNone/>
-              </a:pPr>
-              <a:r>
-                <a:rPr lang="en-GB" sz="1300"/>
-                <a:t>get data</a:t>
-              </a:r>
-              <a:endParaRPr sz="1300"/>
-            </a:p>
-          </p:txBody>
-        </p:sp>
-        <p:pic>
-          <p:nvPicPr>
-            <p:cNvPr id="71" name="Google Shape;71;p13"/>
-            <p:cNvPicPr preferRelativeResize="0"/>
-            <p:nvPr/>
-          </p:nvPicPr>
-          <p:blipFill>
-            <a:blip r:embed="rId7">
-              <a:alphaModFix/>
-            </a:blip>
-            <a:stretch>
-              <a:fillRect/>
-            </a:stretch>
-          </p:blipFill>
-          <p:spPr>
-            <a:xfrm>
-              <a:off x="1192126" y="3840425"/>
-              <a:ext cx="1157726" cy="787776"/>
-            </a:xfrm>
-            <a:prstGeom prst="rect">
-              <a:avLst/>
-            </a:prstGeom>
-            <a:noFill/>
-            <a:ln>
-              <a:noFill/>
-            </a:ln>
-          </p:spPr>
-        </p:pic>
-      </p:grpSp>
-      <p:grpSp>
-        <p:nvGrpSpPr>
-          <p:cNvPr id="72" name="Google Shape;72;p13"/>
-          <p:cNvGrpSpPr/>
+            <a:prstDash val="solid"/>
+            <a:round/>
+            <a:headEnd len="sm" w="sm" type="none"/>
+            <a:tailEnd len="sm" w="sm" type="none"/>
+          </a:ln>
+        </p:spPr>
+        <p:txBody>
+          <a:bodyPr anchorCtr="0" anchor="t" bIns="91425" lIns="91425" spcFirstLastPara="1" rIns="91425" wrap="square" tIns="91425">
+            <a:noAutofit/>
+          </a:bodyPr>
+          <a:lstStyle/>
+          <a:p>
+            <a:pPr indent="0" lvl="0" marL="0" rtl="0" algn="ctr">
+              <a:spcBef>
+                <a:spcPts val="0"/>
+              </a:spcBef>
+              <a:spcAft>
+                <a:spcPts val="0"/>
+              </a:spcAft>
+              <a:buNone/>
+            </a:pPr>
+            <a:r>
+              <a:rPr lang="en-GB" sz="1300"/>
+              <a:t>Data</a:t>
+            </a:r>
+            <a:endParaRPr sz="1300"/>
+          </a:p>
+        </p:txBody>
+      </p:sp>
+      <p:sp>
+        <p:nvSpPr>
+          <p:cNvPr id="62" name="Google Shape;62;p13"/>
+          <p:cNvSpPr/>
           <p:nvPr/>
-        </p:nvGrpSpPr>
-        <p:grpSpPr>
+        </p:nvSpPr>
+        <p:spPr>
           <a:xfrm>
             <a:off x="6613313" y="1169900"/>
             <a:ext cx="1358400" cy="1302514"/>
-            <a:chOff x="5222388" y="1464025"/>
-            <a:chExt cx="1358400" cy="1395900"/>
           </a:xfrm>
-        </p:grpSpPr>
-        <p:sp>
-          <p:nvSpPr>
-            <p:cNvPr id="73" name="Google Shape;73;p13"/>
-            <p:cNvSpPr/>
-            <p:nvPr/>
-          </p:nvSpPr>
-          <p:spPr>
-            <a:xfrm>
-              <a:off x="5222388" y="1464025"/>
-              <a:ext cx="1358400" cy="1395900"/>
-            </a:xfrm>
-            <a:prstGeom prst="roundRect">
-              <a:avLst>
-                <a:gd fmla="val 16667" name="adj"/>
-              </a:avLst>
-            </a:prstGeom>
+          <a:prstGeom prst="roundRect">
+            <a:avLst>
+              <a:gd fmla="val 16667" name="adj"/>
+            </a:avLst>
+          </a:prstGeom>
+          <a:solidFill>
+            <a:srgbClr val="D9EAD3"/>
+          </a:solidFill>
+          <a:ln cap="flat" cmpd="sng" w="9525">
             <a:solidFill>
-              <a:srgbClr val="D9EAD3"/>
+              <a:schemeClr val="dk2"/>
             </a:solidFill>
-            <a:ln cap="flat" cmpd="sng" w="9525">
-              <a:solidFill>
-                <a:schemeClr val="dk2"/>
-              </a:solidFill>
-              <a:prstDash val="solid"/>
-              <a:round/>
-              <a:headEnd len="sm" w="sm" type="none"/>
-              <a:tailEnd len="sm" w="sm" type="none"/>
-            </a:ln>
-          </p:spPr>
-          <p:txBody>
-            <a:bodyPr anchorCtr="0" anchor="t" bIns="91425" lIns="91425" spcFirstLastPara="1" rIns="91425" wrap="square" tIns="91425">
-              <a:noAutofit/>
-            </a:bodyPr>
-            <a:lstStyle/>
-            <a:p>
-              <a:pPr indent="0" lvl="0" marL="0" rtl="0" algn="ctr">
-                <a:spcBef>
-                  <a:spcPts val="0"/>
-                </a:spcBef>
-                <a:spcAft>
-                  <a:spcPts val="0"/>
-                </a:spcAft>
-                <a:buNone/>
-              </a:pPr>
-              <a:r>
-                <a:rPr lang="en-GB" sz="1300"/>
-                <a:t>GP Posterior</a:t>
-              </a:r>
-              <a:endParaRPr sz="1300"/>
-            </a:p>
-          </p:txBody>
-        </p:sp>
-        <p:pic>
-          <p:nvPicPr>
-            <p:cNvPr id="74" name="Google Shape;74;p13"/>
-            <p:cNvPicPr preferRelativeResize="0"/>
-            <p:nvPr/>
-          </p:nvPicPr>
-          <p:blipFill>
-            <a:blip r:embed="rId8">
-              <a:alphaModFix/>
-            </a:blip>
-            <a:stretch>
-              <a:fillRect/>
-            </a:stretch>
-          </p:blipFill>
-          <p:spPr>
-            <a:xfrm>
-              <a:off x="5336917" y="1911225"/>
-              <a:ext cx="1159200" cy="788255"/>
-            </a:xfrm>
-            <a:prstGeom prst="rect">
-              <a:avLst/>
-            </a:prstGeom>
-            <a:noFill/>
-            <a:ln>
-              <a:noFill/>
-            </a:ln>
-          </p:spPr>
-        </p:pic>
-      </p:grpSp>
+            <a:prstDash val="solid"/>
+            <a:round/>
+            <a:headEnd len="sm" w="sm" type="none"/>
+            <a:tailEnd len="sm" w="sm" type="none"/>
+          </a:ln>
+        </p:spPr>
+        <p:txBody>
+          <a:bodyPr anchorCtr="0" anchor="t" bIns="91425" lIns="91425" spcFirstLastPara="1" rIns="91425" wrap="square" tIns="91425">
+            <a:noAutofit/>
+          </a:bodyPr>
+          <a:lstStyle/>
+          <a:p>
+            <a:pPr indent="0" lvl="0" marL="0" rtl="0" algn="ctr">
+              <a:spcBef>
+                <a:spcPts val="0"/>
+              </a:spcBef>
+              <a:spcAft>
+                <a:spcPts val="0"/>
+              </a:spcAft>
+              <a:buNone/>
+            </a:pPr>
+            <a:r>
+              <a:rPr lang="en-GB" sz="1300"/>
+              <a:t>Predictions</a:t>
+            </a:r>
+            <a:endParaRPr sz="1300"/>
+          </a:p>
+        </p:txBody>
+      </p:sp>
+      <p:sp>
+        <p:nvSpPr>
+          <p:cNvPr id="63" name="Google Shape;63;p13"/>
+          <p:cNvSpPr/>
+          <p:nvPr/>
+        </p:nvSpPr>
+        <p:spPr>
+          <a:xfrm>
+            <a:off x="6612713" y="4772575"/>
+            <a:ext cx="1358400" cy="1302514"/>
+          </a:xfrm>
+          <a:prstGeom prst="roundRect">
+            <a:avLst>
+              <a:gd fmla="val 16667" name="adj"/>
+            </a:avLst>
+          </a:prstGeom>
+          <a:solidFill>
+            <a:srgbClr val="D9EAD3"/>
+          </a:solidFill>
+          <a:ln cap="flat" cmpd="sng" w="9525">
+            <a:solidFill>
+              <a:schemeClr val="dk2"/>
+            </a:solidFill>
+            <a:prstDash val="solid"/>
+            <a:round/>
+            <a:headEnd len="sm" w="sm" type="none"/>
+            <a:tailEnd len="sm" w="sm" type="none"/>
+          </a:ln>
+        </p:spPr>
+        <p:txBody>
+          <a:bodyPr anchorCtr="0" anchor="t" bIns="91425" lIns="91425" spcFirstLastPara="1" rIns="91425" wrap="square" tIns="90000">
+            <a:noAutofit/>
+          </a:bodyPr>
+          <a:lstStyle/>
+          <a:p>
+            <a:pPr indent="0" lvl="0" marL="0" rtl="0" algn="ctr">
+              <a:spcBef>
+                <a:spcPts val="0"/>
+              </a:spcBef>
+              <a:spcAft>
+                <a:spcPts val="0"/>
+              </a:spcAft>
+              <a:buNone/>
+            </a:pPr>
+            <a:r>
+              <a:rPr lang="en-GB" sz="1300"/>
+              <a:t>Posterior</a:t>
+            </a:r>
+            <a:endParaRPr sz="1300"/>
+          </a:p>
+        </p:txBody>
+      </p:sp>
       <p:grpSp>
         <p:nvGrpSpPr>
-          <p:cNvPr id="75" name="Google Shape;75;p13"/>
-          <p:cNvGrpSpPr/>
-          <p:nvPr/>
-        </p:nvGrpSpPr>
-        <p:grpSpPr>
-          <a:xfrm>
-            <a:off x="6612713" y="4772575"/>
-            <a:ext cx="1358400" cy="1353661"/>
-            <a:chOff x="6914388" y="3365211"/>
-            <a:chExt cx="1358400" cy="1450714"/>
-          </a:xfrm>
-        </p:grpSpPr>
-        <p:sp>
-          <p:nvSpPr>
-            <p:cNvPr id="76" name="Google Shape;76;p13"/>
-            <p:cNvSpPr/>
-            <p:nvPr/>
-          </p:nvSpPr>
-          <p:spPr>
-            <a:xfrm>
-              <a:off x="6914388" y="3365211"/>
-              <a:ext cx="1358400" cy="1395900"/>
-            </a:xfrm>
-            <a:prstGeom prst="roundRect">
-              <a:avLst>
-                <a:gd fmla="val 16667" name="adj"/>
-              </a:avLst>
-            </a:prstGeom>
-            <a:solidFill>
-              <a:srgbClr val="D9EAD3"/>
-            </a:solidFill>
-            <a:ln cap="flat" cmpd="sng" w="9525">
-              <a:solidFill>
-                <a:schemeClr val="dk2"/>
-              </a:solidFill>
-              <a:prstDash val="solid"/>
-              <a:round/>
-              <a:headEnd len="sm" w="sm" type="none"/>
-              <a:tailEnd len="sm" w="sm" type="none"/>
-            </a:ln>
-          </p:spPr>
-          <p:txBody>
-            <a:bodyPr anchorCtr="0" anchor="t" bIns="91425" lIns="91425" spcFirstLastPara="1" rIns="91425" wrap="square" tIns="0">
-              <a:noAutofit/>
-            </a:bodyPr>
-            <a:lstStyle/>
-            <a:p>
-              <a:pPr indent="0" lvl="0" marL="0" rtl="0" algn="ctr">
-                <a:spcBef>
-                  <a:spcPts val="0"/>
-                </a:spcBef>
-                <a:spcAft>
-                  <a:spcPts val="0"/>
-                </a:spcAft>
-                <a:buNone/>
-              </a:pPr>
-              <a:r>
-                <a:rPr lang="en-GB" sz="1300"/>
-                <a:t>Posterior samples</a:t>
-              </a:r>
-              <a:endParaRPr sz="1300"/>
-            </a:p>
-          </p:txBody>
-        </p:sp>
-        <p:pic>
-          <p:nvPicPr>
-            <p:cNvPr id="77" name="Google Shape;77;p13"/>
-            <p:cNvPicPr preferRelativeResize="0"/>
-            <p:nvPr/>
-          </p:nvPicPr>
-          <p:blipFill>
-            <a:blip r:embed="rId9">
-              <a:alphaModFix/>
-            </a:blip>
-            <a:stretch>
-              <a:fillRect/>
-            </a:stretch>
-          </p:blipFill>
-          <p:spPr>
-            <a:xfrm>
-              <a:off x="7013998" y="4018975"/>
-              <a:ext cx="1159200" cy="796950"/>
-            </a:xfrm>
-            <a:prstGeom prst="rect">
-              <a:avLst/>
-            </a:prstGeom>
-            <a:noFill/>
-            <a:ln>
-              <a:noFill/>
-            </a:ln>
-          </p:spPr>
-        </p:pic>
-      </p:grpSp>
-      <p:grpSp>
-        <p:nvGrpSpPr>
-          <p:cNvPr id="78" name="Google Shape;78;p13"/>
-          <p:cNvGrpSpPr/>
-          <p:nvPr/>
-        </p:nvGrpSpPr>
-        <p:grpSpPr>
-          <a:xfrm>
-            <a:off x="2837679" y="1688990"/>
-            <a:ext cx="1358400" cy="1302514"/>
-            <a:chOff x="2837679" y="1676013"/>
-            <a:chExt cx="1358400" cy="1395900"/>
-          </a:xfrm>
-        </p:grpSpPr>
-        <p:sp>
-          <p:nvSpPr>
-            <p:cNvPr id="79" name="Google Shape;79;p13"/>
-            <p:cNvSpPr/>
-            <p:nvPr/>
-          </p:nvSpPr>
-          <p:spPr>
-            <a:xfrm>
-              <a:off x="2837679" y="1676013"/>
-              <a:ext cx="1358400" cy="1395900"/>
-            </a:xfrm>
-            <a:prstGeom prst="roundRect">
-              <a:avLst>
-                <a:gd fmla="val 16667" name="adj"/>
-              </a:avLst>
-            </a:prstGeom>
-            <a:solidFill>
-              <a:srgbClr val="D9EAD3"/>
-            </a:solidFill>
-            <a:ln cap="flat" cmpd="sng" w="9525">
-              <a:solidFill>
-                <a:schemeClr val="dk2"/>
-              </a:solidFill>
-              <a:prstDash val="solid"/>
-              <a:round/>
-              <a:headEnd len="sm" w="sm" type="none"/>
-              <a:tailEnd len="sm" w="sm" type="none"/>
-            </a:ln>
-          </p:spPr>
-          <p:txBody>
-            <a:bodyPr anchorCtr="0" anchor="t" bIns="91425" lIns="91425" spcFirstLastPara="1" rIns="91425" wrap="square" tIns="0">
-              <a:noAutofit/>
-            </a:bodyPr>
-            <a:lstStyle/>
-            <a:p>
-              <a:pPr indent="0" lvl="0" marL="0" rtl="0" algn="ctr">
-                <a:spcBef>
-                  <a:spcPts val="0"/>
-                </a:spcBef>
-                <a:spcAft>
-                  <a:spcPts val="0"/>
-                </a:spcAft>
-                <a:buNone/>
-              </a:pPr>
-              <a:r>
-                <a:rPr lang="en-GB" sz="1300"/>
-                <a:t>Covariance matrix</a:t>
-              </a:r>
-              <a:endParaRPr sz="1300"/>
-            </a:p>
-          </p:txBody>
-        </p:sp>
-        <p:pic>
-          <p:nvPicPr>
-            <p:cNvPr id="80" name="Google Shape;80;p13"/>
-            <p:cNvPicPr preferRelativeResize="0"/>
-            <p:nvPr/>
-          </p:nvPicPr>
-          <p:blipFill>
-            <a:blip r:embed="rId10">
-              <a:alphaModFix/>
-            </a:blip>
-            <a:stretch>
-              <a:fillRect/>
-            </a:stretch>
-          </p:blipFill>
-          <p:spPr>
-            <a:xfrm>
-              <a:off x="3151487" y="2278013"/>
-              <a:ext cx="730775" cy="722675"/>
-            </a:xfrm>
-            <a:prstGeom prst="rect">
-              <a:avLst/>
-            </a:prstGeom>
-            <a:noFill/>
-            <a:ln>
-              <a:noFill/>
-            </a:ln>
-          </p:spPr>
-        </p:pic>
-      </p:grpSp>
-      <p:grpSp>
-        <p:nvGrpSpPr>
-          <p:cNvPr id="81" name="Google Shape;81;p13"/>
+          <p:cNvPr id="64" name="Google Shape;64;p13"/>
           <p:cNvGrpSpPr/>
           <p:nvPr/>
         </p:nvGrpSpPr>
@@ -6385,7 +5985,7 @@
         </p:grpSpPr>
         <p:sp>
           <p:nvSpPr>
-            <p:cNvPr id="82" name="Google Shape;82;p13"/>
+            <p:cNvPr id="65" name="Google Shape;65;p13"/>
             <p:cNvSpPr/>
             <p:nvPr/>
           </p:nvSpPr>
@@ -6437,12 +6037,12 @@
         </p:sp>
         <p:pic>
           <p:nvPicPr>
-            <p:cNvPr id="83" name="Google Shape;83;p13"/>
+            <p:cNvPr id="66" name="Google Shape;66;p13"/>
             <p:cNvPicPr preferRelativeResize="0"/>
             <p:nvPr/>
           </p:nvPicPr>
           <p:blipFill>
-            <a:blip r:embed="rId11">
+            <a:blip r:embed="rId3">
               <a:alphaModFix/>
             </a:blip>
             <a:stretch>
@@ -6466,7 +6066,7 @@
       </p:grpSp>
       <p:grpSp>
         <p:nvGrpSpPr>
-          <p:cNvPr id="84" name="Google Shape;84;p13"/>
+          <p:cNvPr id="67" name="Google Shape;67;p13"/>
           <p:cNvGrpSpPr/>
           <p:nvPr/>
         </p:nvGrpSpPr>
@@ -6480,7 +6080,7 @@
         </p:grpSpPr>
         <p:sp>
           <p:nvSpPr>
-            <p:cNvPr id="85" name="Google Shape;85;p13"/>
+            <p:cNvPr id="68" name="Google Shape;68;p13"/>
             <p:cNvSpPr/>
             <p:nvPr/>
           </p:nvSpPr>
@@ -6524,11 +6124,7 @@
               </a:pPr>
               <a:r>
                 <a:rPr lang="en-GB" sz="1300"/>
-                <a:t>L</a:t>
-              </a:r>
-              <a:r>
-                <a:rPr lang="en-GB" sz="1300"/>
-                <a:t>ikelihood</a:t>
+                <a:t>Likelihood</a:t>
               </a:r>
               <a:endParaRPr sz="1300"/>
             </a:p>
@@ -6536,7 +6132,7 @@
         </p:sp>
         <p:sp>
           <p:nvSpPr>
-            <p:cNvPr id="86" name="Google Shape;86;p13"/>
+            <p:cNvPr id="69" name="Google Shape;69;p13"/>
             <p:cNvSpPr/>
             <p:nvPr/>
           </p:nvSpPr>
@@ -6579,7 +6175,7 @@
         </p:sp>
         <p:grpSp>
           <p:nvGrpSpPr>
-            <p:cNvPr id="87" name="Google Shape;87;p13"/>
+            <p:cNvPr id="70" name="Google Shape;70;p13"/>
             <p:cNvGrpSpPr/>
             <p:nvPr/>
           </p:nvGrpSpPr>
@@ -6593,12 +6189,12 @@
           </p:grpSpPr>
           <p:pic>
             <p:nvPicPr>
-              <p:cNvPr id="88" name="Google Shape;88;p13"/>
+              <p:cNvPr id="71" name="Google Shape;71;p13"/>
               <p:cNvPicPr preferRelativeResize="0"/>
               <p:nvPr/>
             </p:nvPicPr>
             <p:blipFill rotWithShape="1">
-              <a:blip r:embed="rId12">
+              <a:blip r:embed="rId4">
                 <a:alphaModFix/>
               </a:blip>
               <a:srcRect b="0" l="0" r="76879" t="0"/>
@@ -6620,12 +6216,12 @@
           </p:pic>
           <p:pic>
             <p:nvPicPr>
-              <p:cNvPr id="89" name="Google Shape;89;p13"/>
+              <p:cNvPr id="72" name="Google Shape;72;p13"/>
               <p:cNvPicPr preferRelativeResize="0"/>
               <p:nvPr/>
             </p:nvPicPr>
             <p:blipFill rotWithShape="1">
-              <a:blip r:embed="rId12">
+              <a:blip r:embed="rId4">
                 <a:alphaModFix/>
               </a:blip>
               <a:srcRect b="0" l="21944" r="44871" t="0"/>
@@ -6647,12 +6243,12 @@
           </p:pic>
           <p:pic>
             <p:nvPicPr>
-              <p:cNvPr id="90" name="Google Shape;90;p13"/>
+              <p:cNvPr id="73" name="Google Shape;73;p13"/>
               <p:cNvPicPr preferRelativeResize="0"/>
               <p:nvPr/>
             </p:nvPicPr>
             <p:blipFill rotWithShape="1">
-              <a:blip r:embed="rId12">
+              <a:blip r:embed="rId4">
                 <a:alphaModFix/>
               </a:blip>
               <a:srcRect b="0" l="54857" r="17708" t="0"/>
@@ -6674,12 +6270,12 @@
           </p:pic>
           <p:pic>
             <p:nvPicPr>
-              <p:cNvPr id="91" name="Google Shape;91;p13"/>
+              <p:cNvPr id="74" name="Google Shape;74;p13"/>
               <p:cNvPicPr preferRelativeResize="0"/>
               <p:nvPr/>
             </p:nvPicPr>
             <p:blipFill rotWithShape="1">
-              <a:blip r:embed="rId12">
+              <a:blip r:embed="rId4">
                 <a:alphaModFix/>
               </a:blip>
               <a:srcRect b="0" l="81635" r="0" t="0"/>
@@ -6701,12 +6297,64 @@
           </p:pic>
         </p:grpSp>
       </p:grpSp>
+      <p:sp>
+        <p:nvSpPr>
+          <p:cNvPr id="75" name="Google Shape;75;p13"/>
+          <p:cNvSpPr/>
+          <p:nvPr/>
+        </p:nvSpPr>
+        <p:spPr>
+          <a:xfrm>
+            <a:off x="2837679" y="1688990"/>
+            <a:ext cx="1358400" cy="1302514"/>
+          </a:xfrm>
+          <a:prstGeom prst="roundRect">
+            <a:avLst>
+              <a:gd fmla="val 16667" name="adj"/>
+            </a:avLst>
+          </a:prstGeom>
+          <a:solidFill>
+            <a:srgbClr val="D9EAD3"/>
+          </a:solidFill>
+          <a:ln cap="flat" cmpd="sng" w="9525">
+            <a:solidFill>
+              <a:schemeClr val="dk2"/>
+            </a:solidFill>
+            <a:prstDash val="solid"/>
+            <a:round/>
+            <a:headEnd len="sm" w="sm" type="none"/>
+            <a:tailEnd len="sm" w="sm" type="none"/>
+          </a:ln>
+        </p:spPr>
+        <p:txBody>
+          <a:bodyPr anchorCtr="0" anchor="t" bIns="91425" lIns="91425" spcFirstLastPara="1" rIns="91425" wrap="square" tIns="90000">
+            <a:noAutofit/>
+          </a:bodyPr>
+          <a:lstStyle/>
+          <a:p>
+            <a:pPr indent="0" lvl="0" marL="0" rtl="0" algn="ctr">
+              <a:spcBef>
+                <a:spcPts val="0"/>
+              </a:spcBef>
+              <a:spcAft>
+                <a:spcPts val="0"/>
+              </a:spcAft>
+              <a:buNone/>
+            </a:pPr>
+            <a:r>
+              <a:rPr lang="en-GB" sz="1300"/>
+              <a:t>Covariance</a:t>
+            </a:r>
+            <a:endParaRPr sz="1300"/>
+          </a:p>
+        </p:txBody>
+      </p:sp>
       <p:cxnSp>
         <p:nvCxnSpPr>
-          <p:cNvPr id="92" name="Google Shape;92;p13"/>
+          <p:cNvPr id="76" name="Google Shape;76;p13"/>
           <p:cNvCxnSpPr>
-            <a:stCxn id="70" idx="3"/>
-            <a:endCxn id="79" idx="1"/>
+            <a:stCxn id="61" idx="3"/>
+            <a:endCxn id="75" idx="1"/>
           </p:cNvCxnSpPr>
           <p:nvPr/>
         </p:nvCxnSpPr>
@@ -6734,10 +6382,10 @@
       </p:cxnSp>
       <p:cxnSp>
         <p:nvCxnSpPr>
-          <p:cNvPr id="93" name="Google Shape;93;p13"/>
+          <p:cNvPr id="77" name="Google Shape;77;p13"/>
           <p:cNvCxnSpPr>
-            <a:stCxn id="70" idx="3"/>
-            <a:endCxn id="85" idx="1"/>
+            <a:stCxn id="61" idx="3"/>
+            <a:endCxn id="68" idx="1"/>
           </p:cNvCxnSpPr>
           <p:nvPr/>
         </p:nvCxnSpPr>
@@ -6765,10 +6413,10 @@
       </p:cxnSp>
       <p:cxnSp>
         <p:nvCxnSpPr>
-          <p:cNvPr id="94" name="Google Shape;94;p13"/>
+          <p:cNvPr id="78" name="Google Shape;78;p13"/>
           <p:cNvCxnSpPr>
-            <a:stCxn id="79" idx="2"/>
-            <a:endCxn id="85" idx="0"/>
+            <a:stCxn id="75" idx="2"/>
+            <a:endCxn id="68" idx="0"/>
           </p:cNvCxnSpPr>
           <p:nvPr/>
         </p:nvCxnSpPr>
@@ -6796,10 +6444,10 @@
       </p:cxnSp>
       <p:cxnSp>
         <p:nvCxnSpPr>
-          <p:cNvPr id="95" name="Google Shape;95;p13"/>
+          <p:cNvPr id="79" name="Google Shape;79;p13"/>
           <p:cNvCxnSpPr>
-            <a:stCxn id="61" idx="2"/>
-            <a:endCxn id="79" idx="0"/>
+            <a:stCxn id="58" idx="2"/>
+            <a:endCxn id="75" idx="0"/>
           </p:cNvCxnSpPr>
           <p:nvPr/>
         </p:nvCxnSpPr>
@@ -6827,9 +6475,9 @@
       </p:cxnSp>
       <p:cxnSp>
         <p:nvCxnSpPr>
-          <p:cNvPr id="96" name="Google Shape;96;p13"/>
+          <p:cNvPr id="80" name="Google Shape;80;p13"/>
           <p:cNvCxnSpPr>
-            <a:stCxn id="85" idx="3"/>
+            <a:stCxn id="68" idx="3"/>
           </p:cNvCxnSpPr>
           <p:nvPr/>
         </p:nvCxnSpPr>
@@ -6857,10 +6505,10 @@
       </p:cxnSp>
       <p:cxnSp>
         <p:nvCxnSpPr>
-          <p:cNvPr id="97" name="Google Shape;97;p13"/>
+          <p:cNvPr id="81" name="Google Shape;81;p13"/>
           <p:cNvCxnSpPr>
-            <a:stCxn id="64" idx="3"/>
-            <a:endCxn id="82" idx="1"/>
+            <a:stCxn id="59" idx="3"/>
+            <a:endCxn id="65" idx="1"/>
           </p:cNvCxnSpPr>
           <p:nvPr/>
         </p:nvCxnSpPr>
@@ -6888,9 +6536,9 @@
       </p:cxnSp>
       <p:cxnSp>
         <p:nvCxnSpPr>
-          <p:cNvPr id="98" name="Google Shape;98;p13"/>
+          <p:cNvPr id="82" name="Google Shape;82;p13"/>
           <p:cNvCxnSpPr>
-            <a:stCxn id="82" idx="2"/>
+            <a:stCxn id="65" idx="2"/>
             <a:endCxn id="56" idx="0"/>
           </p:cNvCxnSpPr>
           <p:nvPr/>
@@ -6919,9 +6567,9 @@
       </p:cxnSp>
       <p:cxnSp>
         <p:nvCxnSpPr>
-          <p:cNvPr id="99" name="Google Shape;99;p13"/>
+          <p:cNvPr id="83" name="Google Shape;83;p13"/>
           <p:cNvCxnSpPr>
-            <a:stCxn id="82" idx="0"/>
+            <a:stCxn id="65" idx="0"/>
             <a:endCxn id="55" idx="2"/>
           </p:cNvCxnSpPr>
           <p:nvPr/>
@@ -6950,10 +6598,10 @@
       </p:cxnSp>
       <p:cxnSp>
         <p:nvCxnSpPr>
-          <p:cNvPr id="100" name="Google Shape;100;p13"/>
+          <p:cNvPr id="84" name="Google Shape;84;p13"/>
           <p:cNvCxnSpPr>
-            <a:stCxn id="61" idx="3"/>
-            <a:endCxn id="58" idx="1"/>
+            <a:stCxn id="58" idx="3"/>
+            <a:endCxn id="57" idx="1"/>
           </p:cNvCxnSpPr>
           <p:nvPr/>
         </p:nvCxnSpPr>
@@ -6981,10 +6629,10 @@
       </p:cxnSp>
       <p:cxnSp>
         <p:nvCxnSpPr>
-          <p:cNvPr id="101" name="Google Shape;101;p13"/>
+          <p:cNvPr id="85" name="Google Shape;85;p13"/>
           <p:cNvCxnSpPr>
             <a:stCxn id="55" idx="0"/>
-            <a:endCxn id="73" idx="1"/>
+            <a:endCxn id="62" idx="1"/>
           </p:cNvCxnSpPr>
           <p:nvPr/>
         </p:nvCxnSpPr>
@@ -7010,9 +6658,9 @@
       </p:cxnSp>
       <p:cxnSp>
         <p:nvCxnSpPr>
-          <p:cNvPr id="102" name="Google Shape;102;p13"/>
+          <p:cNvPr id="86" name="Google Shape;86;p13"/>
           <p:cNvCxnSpPr>
-            <a:endCxn id="67" idx="1"/>
+            <a:endCxn id="60" idx="1"/>
           </p:cNvCxnSpPr>
           <p:nvPr/>
         </p:nvCxnSpPr>
@@ -7038,10 +6686,10 @@
       </p:cxnSp>
       <p:cxnSp>
         <p:nvCxnSpPr>
-          <p:cNvPr id="103" name="Google Shape;103;p13"/>
+          <p:cNvPr id="87" name="Google Shape;87;p13"/>
           <p:cNvCxnSpPr>
             <a:stCxn id="56" idx="3"/>
-            <a:endCxn id="76" idx="1"/>
+            <a:endCxn id="63" idx="1"/>
           </p:cNvCxnSpPr>
           <p:nvPr/>
         </p:nvCxnSpPr>
@@ -7069,7 +6717,7 @@
       </p:cxnSp>
       <p:sp>
         <p:nvSpPr>
-          <p:cNvPr id="104" name="Google Shape;104;p13"/>
+          <p:cNvPr id="88" name="Google Shape;88;p13"/>
           <p:cNvSpPr/>
           <p:nvPr/>
         </p:nvSpPr>
@@ -7121,7 +6769,7 @@
       </p:sp>
       <p:sp>
         <p:nvSpPr>
-          <p:cNvPr id="105" name="Google Shape;105;p13"/>
+          <p:cNvPr id="89" name="Google Shape;89;p13"/>
           <p:cNvSpPr/>
           <p:nvPr/>
         </p:nvSpPr>
@@ -7173,7 +6821,7 @@
       </p:sp>
       <p:sp>
         <p:nvSpPr>
-          <p:cNvPr id="106" name="Google Shape;106;p13"/>
+          <p:cNvPr id="90" name="Google Shape;90;p13"/>
           <p:cNvSpPr/>
           <p:nvPr/>
         </p:nvSpPr>
@@ -7225,9 +6873,9 @@
       </p:sp>
       <p:cxnSp>
         <p:nvCxnSpPr>
-          <p:cNvPr id="107" name="Google Shape;107;p13"/>
+          <p:cNvPr id="91" name="Google Shape;91;p13"/>
           <p:cNvCxnSpPr>
-            <a:stCxn id="85" idx="3"/>
+            <a:stCxn id="68" idx="3"/>
             <a:endCxn id="55" idx="1"/>
           </p:cNvCxnSpPr>
           <p:nvPr/>
@@ -7254,6 +6902,230 @@
           </a:ln>
         </p:spPr>
       </p:cxnSp>
+      <p:pic>
+        <p:nvPicPr>
+          <p:cNvPr id="92" name="Google Shape;92;p13"/>
+          <p:cNvPicPr preferRelativeResize="0"/>
+          <p:nvPr/>
+        </p:nvPicPr>
+        <p:blipFill>
+          <a:blip r:embed="rId5">
+            <a:alphaModFix/>
+          </a:blip>
+          <a:stretch>
+            <a:fillRect/>
+          </a:stretch>
+        </p:blipFill>
+        <p:spPr>
+          <a:xfrm>
+            <a:off x="725274" y="3091508"/>
+            <a:ext cx="899999" cy="675000"/>
+          </a:xfrm>
+          <a:prstGeom prst="rect">
+            <a:avLst/>
+          </a:prstGeom>
+          <a:noFill/>
+          <a:ln>
+            <a:noFill/>
+          </a:ln>
+        </p:spPr>
+      </p:pic>
+      <p:pic>
+        <p:nvPicPr>
+          <p:cNvPr id="93" name="Google Shape;93;p13"/>
+          <p:cNvPicPr preferRelativeResize="0"/>
+          <p:nvPr/>
+        </p:nvPicPr>
+        <p:blipFill>
+          <a:blip r:embed="rId6">
+            <a:alphaModFix/>
+          </a:blip>
+          <a:stretch>
+            <a:fillRect/>
+          </a:stretch>
+        </p:blipFill>
+        <p:spPr>
+          <a:xfrm>
+            <a:off x="3067175" y="616212"/>
+            <a:ext cx="900000" cy="661501"/>
+          </a:xfrm>
+          <a:prstGeom prst="rect">
+            <a:avLst/>
+          </a:prstGeom>
+          <a:noFill/>
+          <a:ln>
+            <a:noFill/>
+          </a:ln>
+        </p:spPr>
+      </p:pic>
+      <p:pic>
+        <p:nvPicPr>
+          <p:cNvPr id="94" name="Google Shape;94;p13"/>
+          <p:cNvPicPr preferRelativeResize="0"/>
+          <p:nvPr/>
+        </p:nvPicPr>
+        <p:blipFill>
+          <a:blip r:embed="rId7">
+            <a:alphaModFix/>
+          </a:blip>
+          <a:stretch>
+            <a:fillRect/>
+          </a:stretch>
+        </p:blipFill>
+        <p:spPr>
+          <a:xfrm>
+            <a:off x="3180225" y="2206700"/>
+            <a:ext cx="673200" cy="673200"/>
+          </a:xfrm>
+          <a:prstGeom prst="rect">
+            <a:avLst/>
+          </a:prstGeom>
+          <a:noFill/>
+          <a:ln>
+            <a:noFill/>
+          </a:ln>
+        </p:spPr>
+      </p:pic>
+      <p:pic>
+        <p:nvPicPr>
+          <p:cNvPr id="95" name="Google Shape;95;p13"/>
+          <p:cNvPicPr preferRelativeResize="0"/>
+          <p:nvPr/>
+        </p:nvPicPr>
+        <p:blipFill>
+          <a:blip r:embed="rId8">
+            <a:alphaModFix/>
+          </a:blip>
+          <a:stretch>
+            <a:fillRect/>
+          </a:stretch>
+        </p:blipFill>
+        <p:spPr>
+          <a:xfrm>
+            <a:off x="3066825" y="5333426"/>
+            <a:ext cx="900001" cy="666001"/>
+          </a:xfrm>
+          <a:prstGeom prst="rect">
+            <a:avLst/>
+          </a:prstGeom>
+          <a:noFill/>
+          <a:ln>
+            <a:noFill/>
+          </a:ln>
+        </p:spPr>
+      </p:pic>
+      <p:pic>
+        <p:nvPicPr>
+          <p:cNvPr id="96" name="Google Shape;96;p13"/>
+          <p:cNvPicPr preferRelativeResize="0"/>
+          <p:nvPr/>
+        </p:nvPicPr>
+        <p:blipFill>
+          <a:blip r:embed="rId9">
+            <a:alphaModFix/>
+          </a:blip>
+          <a:stretch>
+            <a:fillRect/>
+          </a:stretch>
+        </p:blipFill>
+        <p:spPr>
+          <a:xfrm>
+            <a:off x="4954700" y="616212"/>
+            <a:ext cx="900000" cy="634499"/>
+          </a:xfrm>
+          <a:prstGeom prst="rect">
+            <a:avLst/>
+          </a:prstGeom>
+          <a:noFill/>
+          <a:ln>
+            <a:noFill/>
+          </a:ln>
+        </p:spPr>
+      </p:pic>
+      <p:pic>
+        <p:nvPicPr>
+          <p:cNvPr id="97" name="Google Shape;97;p13"/>
+          <p:cNvPicPr preferRelativeResize="0"/>
+          <p:nvPr/>
+        </p:nvPicPr>
+        <p:blipFill>
+          <a:blip r:embed="rId10">
+            <a:alphaModFix/>
+          </a:blip>
+          <a:stretch>
+            <a:fillRect/>
+          </a:stretch>
+        </p:blipFill>
+        <p:spPr>
+          <a:xfrm>
+            <a:off x="6841925" y="5229765"/>
+            <a:ext cx="900001" cy="666001"/>
+          </a:xfrm>
+          <a:prstGeom prst="rect">
+            <a:avLst/>
+          </a:prstGeom>
+          <a:noFill/>
+          <a:ln>
+            <a:noFill/>
+          </a:ln>
+        </p:spPr>
+      </p:pic>
+      <p:pic>
+        <p:nvPicPr>
+          <p:cNvPr id="98" name="Google Shape;98;p13"/>
+          <p:cNvPicPr preferRelativeResize="0"/>
+          <p:nvPr/>
+        </p:nvPicPr>
+        <p:blipFill>
+          <a:blip r:embed="rId11">
+            <a:alphaModFix/>
+          </a:blip>
+          <a:stretch>
+            <a:fillRect/>
+          </a:stretch>
+        </p:blipFill>
+        <p:spPr>
+          <a:xfrm>
+            <a:off x="6842525" y="3506250"/>
+            <a:ext cx="899999" cy="899999"/>
+          </a:xfrm>
+          <a:prstGeom prst="rect">
+            <a:avLst/>
+          </a:prstGeom>
+          <a:noFill/>
+          <a:ln>
+            <a:noFill/>
+          </a:ln>
+        </p:spPr>
+      </p:pic>
+      <p:pic>
+        <p:nvPicPr>
+          <p:cNvPr id="99" name="Google Shape;99;p13"/>
+          <p:cNvPicPr preferRelativeResize="0"/>
+          <p:nvPr/>
+        </p:nvPicPr>
+        <p:blipFill>
+          <a:blip r:embed="rId12">
+            <a:alphaModFix/>
+          </a:blip>
+          <a:stretch>
+            <a:fillRect/>
+          </a:stretch>
+        </p:blipFill>
+        <p:spPr>
+          <a:xfrm>
+            <a:off x="6842525" y="1674365"/>
+            <a:ext cx="900001" cy="666001"/>
+          </a:xfrm>
+          <a:prstGeom prst="rect">
+            <a:avLst/>
+          </a:prstGeom>
+          <a:noFill/>
+          <a:ln>
+            <a:noFill/>
+          </a:ln>
+        </p:spPr>
+      </p:pic>
     </p:spTree>
   </p:cSld>
   <p:clrMapOvr>
